--- a/assets/tactile_image_files/0040-Milankovitch_cycles_axial_tilt/0040-Milankovitch_cycles_axial_tilt.pptx
+++ b/assets/tactile_image_files/0040-Milankovitch_cycles_axial_tilt/0040-Milankovitch_cycles_axial_tilt.pptx
@@ -198,7 +198,7 @@
           </a:lstStyle>
           <a:p>
             <a:fld id="{DC880F74-5F87-E94E-8AEF-72C270124CC0}" type="datetimeFigureOut">
-              <a:t>7/24/20</a:t>
+              <a:t>7/13/21</a:t>
             </a:fld>
             <a:endParaRPr lang="en-US"/>
           </a:p>
@@ -603,7 +603,7 @@
           <a:p>
             <a:fld id="{E796F801-3BB8-A247-923B-F07F1B58D38A}" type="datetimeFigureOut">
               <a:rPr lang="en-US" smtClean="0"/>
-              <a:t>7/24/20</a:t>
+              <a:t>7/13/21</a:t>
             </a:fld>
             <a:endParaRPr lang="en-US"/>
           </a:p>
@@ -783,7 +783,7 @@
           <a:p>
             <a:fld id="{E796F801-3BB8-A247-923B-F07F1B58D38A}" type="datetimeFigureOut">
               <a:rPr lang="en-US" smtClean="0"/>
-              <a:t>7/24/20</a:t>
+              <a:t>7/13/21</a:t>
             </a:fld>
             <a:endParaRPr lang="en-US"/>
           </a:p>
@@ -953,7 +953,7 @@
           <a:p>
             <a:fld id="{E796F801-3BB8-A247-923B-F07F1B58D38A}" type="datetimeFigureOut">
               <a:rPr lang="en-US" smtClean="0"/>
-              <a:t>7/24/20</a:t>
+              <a:t>7/13/21</a:t>
             </a:fld>
             <a:endParaRPr lang="en-US"/>
           </a:p>
@@ -1197,7 +1197,7 @@
           <a:p>
             <a:fld id="{E796F801-3BB8-A247-923B-F07F1B58D38A}" type="datetimeFigureOut">
               <a:rPr lang="en-US" smtClean="0"/>
-              <a:t>7/24/20</a:t>
+              <a:t>7/13/21</a:t>
             </a:fld>
             <a:endParaRPr lang="en-US"/>
           </a:p>
@@ -1429,7 +1429,7 @@
           <a:p>
             <a:fld id="{E796F801-3BB8-A247-923B-F07F1B58D38A}" type="datetimeFigureOut">
               <a:rPr lang="en-US" smtClean="0"/>
-              <a:t>7/24/20</a:t>
+              <a:t>7/13/21</a:t>
             </a:fld>
             <a:endParaRPr lang="en-US"/>
           </a:p>
@@ -1796,7 +1796,7 @@
           <a:p>
             <a:fld id="{E796F801-3BB8-A247-923B-F07F1B58D38A}" type="datetimeFigureOut">
               <a:rPr lang="en-US" smtClean="0"/>
-              <a:t>7/24/20</a:t>
+              <a:t>7/13/21</a:t>
             </a:fld>
             <a:endParaRPr lang="en-US"/>
           </a:p>
@@ -1914,7 +1914,7 @@
           <a:p>
             <a:fld id="{E796F801-3BB8-A247-923B-F07F1B58D38A}" type="datetimeFigureOut">
               <a:rPr lang="en-US" smtClean="0"/>
-              <a:t>7/24/20</a:t>
+              <a:t>7/13/21</a:t>
             </a:fld>
             <a:endParaRPr lang="en-US"/>
           </a:p>
@@ -2009,7 +2009,7 @@
           <a:p>
             <a:fld id="{E796F801-3BB8-A247-923B-F07F1B58D38A}" type="datetimeFigureOut">
               <a:rPr lang="en-US" smtClean="0"/>
-              <a:t>7/24/20</a:t>
+              <a:t>7/13/21</a:t>
             </a:fld>
             <a:endParaRPr lang="en-US"/>
           </a:p>
@@ -2286,7 +2286,7 @@
           <a:p>
             <a:fld id="{E796F801-3BB8-A247-923B-F07F1B58D38A}" type="datetimeFigureOut">
               <a:rPr lang="en-US" smtClean="0"/>
-              <a:t>7/24/20</a:t>
+              <a:t>7/13/21</a:t>
             </a:fld>
             <a:endParaRPr lang="en-US"/>
           </a:p>
@@ -2543,7 +2543,7 @@
           <a:p>
             <a:fld id="{E796F801-3BB8-A247-923B-F07F1B58D38A}" type="datetimeFigureOut">
               <a:rPr lang="en-US" smtClean="0"/>
-              <a:t>7/24/20</a:t>
+              <a:t>7/13/21</a:t>
             </a:fld>
             <a:endParaRPr lang="en-US"/>
           </a:p>
@@ -2756,7 +2756,7 @@
           <a:p>
             <a:fld id="{E796F801-3BB8-A247-923B-F07F1B58D38A}" type="datetimeFigureOut">
               <a:rPr lang="en-US" smtClean="0"/>
-              <a:t>7/24/20</a:t>
+              <a:t>7/13/21</a:t>
             </a:fld>
             <a:endParaRPr lang="en-US"/>
           </a:p>
@@ -3635,8 +3635,8 @@
         </p:nvSpPr>
         <p:spPr>
           <a:xfrm>
-            <a:off x="3856075" y="2282467"/>
-            <a:ext cx="1290082" cy="646074"/>
+            <a:off x="3531351" y="2490855"/>
+            <a:ext cx="1788112" cy="369204"/>
           </a:xfrm>
           <a:prstGeom prst="rect">
             <a:avLst/>
@@ -3651,7 +3651,7 @@
           <a:p>
             <a:pPr algn="r"/>
             <a:r>
-              <a:rPr lang="en-US">
+              <a:rPr lang="en-US" dirty="0">
                 <a:latin typeface="Arial" panose="020B0604020202020204" pitchFamily="34" charset="0"/>
                 <a:cs typeface="Arial" panose="020B0604020202020204" pitchFamily="34" charset="0"/>
               </a:rPr>
@@ -4328,10 +4328,10 @@
           <a:lstStyle/>
           <a:p>
             <a:r>
-              <a:rPr lang="en-US" sz="2400">
+              <a:rPr lang="en-US" sz="2400" dirty="0">
                 <a:latin typeface="Swell Braille" pitchFamily="49"/>
               </a:rPr>
-              <a:t>⠠⠍⠊⠇⠁⠝⠅⠕⠧⠊⠞⠡⠀⠠⠉⠽⠉⠇⠑⠎⠀⠠⠤⠀⠠⠁⠭⠊⠁⠇⠀⠠⠞⠊⠇⠞</a:t>
+              <a:t>⠠⠍⠊⠇⠁⠝⠅⠕⠧⠊⠞⠡⠀⠠⠉⠽⠉⠇⠑⠎⠀⠤⠀⠠⠁⠭⠊⠁⠇⠀⠠⠞⠊⠇⠞</a:t>
             </a:r>
           </a:p>
         </p:txBody>
@@ -4569,8 +4569,8 @@
         </p:nvSpPr>
         <p:spPr>
           <a:xfrm>
-            <a:off x="2647508" y="2410067"/>
-            <a:ext cx="2679404" cy="830997"/>
+            <a:off x="2289043" y="2410067"/>
+            <a:ext cx="4051785" cy="461665"/>
           </a:xfrm>
           <a:prstGeom prst="rect">
             <a:avLst/>
@@ -4583,21 +4583,11 @@
           </a:bodyPr>
           <a:lstStyle/>
           <a:p>
-            <a:pPr algn="r"/>
-            <a:r>
-              <a:rPr lang="en-US" sz="2400">
+            <a:r>
+              <a:rPr lang="en-US" sz="2400" dirty="0">
                 <a:latin typeface="Swell Braille" pitchFamily="49"/>
               </a:rPr>
-              <a:t>⠗⠕⠞⠁⠞⠊⠕⠝⠁⠇⠀</a:t>
-            </a:r>
-          </a:p>
-          <a:p>
-            <a:pPr algn="r"/>
-            <a:r>
-              <a:rPr lang="en-US" sz="2400">
-                <a:latin typeface="Swell Braille" pitchFamily="49"/>
-              </a:rPr>
-              <a:t>⠁⠭⠊⠎</a:t>
+              <a:t>⠗⠕⠞⠁;⠝⠁⠇⠀⠁⠭⠊⠎</a:t>
             </a:r>
           </a:p>
         </p:txBody>
